--- a/CodeAnalyzing/CodeAnalyse.pptx
+++ b/CodeAnalyzing/CodeAnalyse.pptx
@@ -14,7 +14,11 @@
     <p:sldId id="262" r:id="rId8"/>
     <p:sldId id="263" r:id="rId9"/>
     <p:sldId id="264" r:id="rId10"/>
-    <p:sldId id="265" r:id="rId11"/>
+    <p:sldId id="267" r:id="rId11"/>
+    <p:sldId id="266" r:id="rId12"/>
+    <p:sldId id="268" r:id="rId13"/>
+    <p:sldId id="269" r:id="rId14"/>
+    <p:sldId id="265" r:id="rId15"/>
   </p:sldIdLst>
   <p:sldSz cx="12192000" cy="6858000"/>
   <p:notesSz cx="6858000" cy="9144000"/>
@@ -125,8 +129,8 @@
 <pc:chgInfo xmlns:a="http://schemas.openxmlformats.org/drawingml/2006/main" xmlns:r="http://schemas.openxmlformats.org/officeDocument/2006/relationships" xmlns:ac="http://schemas.microsoft.com/office/drawing/2013/main/command" xmlns:pc="http://schemas.microsoft.com/office/powerpoint/2013/main/command">
   <pc:docChgLst>
     <pc:chgData name="Gian-Andrea Heinrich" userId="6404adc731ae9f54" providerId="LiveId" clId="{5478B9CB-A74D-4CDF-8B5D-C9C3D9B8F31F}"/>
-    <pc:docChg chg="undo custSel addSld modSld">
-      <pc:chgData name="Gian-Andrea Heinrich" userId="6404adc731ae9f54" providerId="LiveId" clId="{5478B9CB-A74D-4CDF-8B5D-C9C3D9B8F31F}" dt="2018-03-11T09:54:43.609" v="2684" actId="20577"/>
+    <pc:docChg chg="undo custSel addSld modSld sldOrd">
+      <pc:chgData name="Gian-Andrea Heinrich" userId="6404adc731ae9f54" providerId="LiveId" clId="{5478B9CB-A74D-4CDF-8B5D-C9C3D9B8F31F}" dt="2018-03-11T10:06:36.959" v="3037" actId="27636"/>
       <pc:docMkLst>
         <pc:docMk/>
       </pc:docMkLst>
@@ -334,6 +338,82 @@
             <pc:docMk/>
             <pc:sldMk cId="3414829556" sldId="265"/>
             <ac:spMk id="3" creationId="{707E5AC4-4489-47D8-AE0D-DD86142A8646}"/>
+          </ac:spMkLst>
+        </pc:spChg>
+      </pc:sldChg>
+      <pc:sldChg chg="modSp add">
+        <pc:chgData name="Gian-Andrea Heinrich" userId="6404adc731ae9f54" providerId="LiveId" clId="{5478B9CB-A74D-4CDF-8B5D-C9C3D9B8F31F}" dt="2018-03-11T10:06:36.959" v="3037" actId="27636"/>
+        <pc:sldMkLst>
+          <pc:docMk/>
+          <pc:sldMk cId="4092733496" sldId="266"/>
+        </pc:sldMkLst>
+        <pc:spChg chg="mod">
+          <ac:chgData name="Gian-Andrea Heinrich" userId="6404adc731ae9f54" providerId="LiveId" clId="{5478B9CB-A74D-4CDF-8B5D-C9C3D9B8F31F}" dt="2018-03-11T09:55:05.097" v="2696" actId="20577"/>
+          <ac:spMkLst>
+            <pc:docMk/>
+            <pc:sldMk cId="4092733496" sldId="266"/>
+            <ac:spMk id="2" creationId="{56BF314C-51B6-4179-8E7A-B3AF3DB072DB}"/>
+          </ac:spMkLst>
+        </pc:spChg>
+        <pc:spChg chg="mod">
+          <ac:chgData name="Gian-Andrea Heinrich" userId="6404adc731ae9f54" providerId="LiveId" clId="{5478B9CB-A74D-4CDF-8B5D-C9C3D9B8F31F}" dt="2018-03-11T10:06:36.959" v="3037" actId="27636"/>
+          <ac:spMkLst>
+            <pc:docMk/>
+            <pc:sldMk cId="4092733496" sldId="266"/>
+            <ac:spMk id="3" creationId="{34567D17-24FD-47A0-B58F-F664BACA910A}"/>
+          </ac:spMkLst>
+        </pc:spChg>
+      </pc:sldChg>
+      <pc:sldChg chg="modSp add ord">
+        <pc:chgData name="Gian-Andrea Heinrich" userId="6404adc731ae9f54" providerId="LiveId" clId="{5478B9CB-A74D-4CDF-8B5D-C9C3D9B8F31F}" dt="2018-03-11T09:55:14.553" v="2703" actId="20577"/>
+        <pc:sldMkLst>
+          <pc:docMk/>
+          <pc:sldMk cId="3810289724" sldId="267"/>
+        </pc:sldMkLst>
+        <pc:spChg chg="mod">
+          <ac:chgData name="Gian-Andrea Heinrich" userId="6404adc731ae9f54" providerId="LiveId" clId="{5478B9CB-A74D-4CDF-8B5D-C9C3D9B8F31F}" dt="2018-03-11T09:55:14.553" v="2703" actId="20577"/>
+          <ac:spMkLst>
+            <pc:docMk/>
+            <pc:sldMk cId="3810289724" sldId="267"/>
+            <ac:spMk id="2" creationId="{B97064D4-9FE1-4DEA-815E-FB334B885338}"/>
+          </ac:spMkLst>
+        </pc:spChg>
+      </pc:sldChg>
+      <pc:sldChg chg="modSp add">
+        <pc:chgData name="Gian-Andrea Heinrich" userId="6404adc731ae9f54" providerId="LiveId" clId="{5478B9CB-A74D-4CDF-8B5D-C9C3D9B8F31F}" dt="2018-03-11T10:00:03.737" v="2797" actId="20577"/>
+        <pc:sldMkLst>
+          <pc:docMk/>
+          <pc:sldMk cId="2341346219" sldId="268"/>
+        </pc:sldMkLst>
+        <pc:spChg chg="mod">
+          <ac:chgData name="Gian-Andrea Heinrich" userId="6404adc731ae9f54" providerId="LiveId" clId="{5478B9CB-A74D-4CDF-8B5D-C9C3D9B8F31F}" dt="2018-03-11T10:00:03.737" v="2797" actId="20577"/>
+          <ac:spMkLst>
+            <pc:docMk/>
+            <pc:sldMk cId="2341346219" sldId="268"/>
+            <ac:spMk id="2" creationId="{C40332E5-2FEA-4EA1-A973-DBDED6DBD1CC}"/>
+          </ac:spMkLst>
+        </pc:spChg>
+      </pc:sldChg>
+      <pc:sldChg chg="modSp add">
+        <pc:chgData name="Gian-Andrea Heinrich" userId="6404adc731ae9f54" providerId="LiveId" clId="{5478B9CB-A74D-4CDF-8B5D-C9C3D9B8F31F}" dt="2018-03-11T10:01:39.614" v="2798"/>
+        <pc:sldMkLst>
+          <pc:docMk/>
+          <pc:sldMk cId="1326088993" sldId="269"/>
+        </pc:sldMkLst>
+        <pc:spChg chg="mod">
+          <ac:chgData name="Gian-Andrea Heinrich" userId="6404adc731ae9f54" providerId="LiveId" clId="{5478B9CB-A74D-4CDF-8B5D-C9C3D9B8F31F}" dt="2018-03-11T09:55:56.009" v="2721" actId="20577"/>
+          <ac:spMkLst>
+            <pc:docMk/>
+            <pc:sldMk cId="1326088993" sldId="269"/>
+            <ac:spMk id="2" creationId="{D77210D3-33D8-406E-8783-B60ED4F11579}"/>
+          </ac:spMkLst>
+        </pc:spChg>
+        <pc:spChg chg="mod">
+          <ac:chgData name="Gian-Andrea Heinrich" userId="6404adc731ae9f54" providerId="LiveId" clId="{5478B9CB-A74D-4CDF-8B5D-C9C3D9B8F31F}" dt="2018-03-11T10:01:39.614" v="2798"/>
+          <ac:spMkLst>
+            <pc:docMk/>
+            <pc:sldMk cId="1326088993" sldId="269"/>
+            <ac:spMk id="3" creationId="{C345A602-2FD0-45FE-BD37-7BD45F496DF0}"/>
           </ac:spMkLst>
         </pc:spChg>
       </pc:sldChg>
@@ -3662,6 +3742,556 @@
           <p:cNvPr id="2" name="Titel 1">
             <a:extLst>
               <a:ext uri="{FF2B5EF4-FFF2-40B4-BE49-F238E27FC236}">
+                <a16:creationId xmlns:a16="http://schemas.microsoft.com/office/drawing/2014/main" id="{B97064D4-9FE1-4DEA-815E-FB334B885338}"/>
+              </a:ext>
+            </a:extLst>
+          </p:cNvPr>
+          <p:cNvSpPr>
+            <a:spLocks noGrp="1"/>
+          </p:cNvSpPr>
+          <p:nvPr>
+            <p:ph type="title"/>
+          </p:nvPr>
+        </p:nvSpPr>
+        <p:spPr/>
+        <p:txBody>
+          <a:bodyPr/>
+          <a:lstStyle/>
+          <a:p>
+            <a:r>
+              <a:rPr lang="de-CH" dirty="0"/>
+              <a:t>Paper</a:t>
+            </a:r>
+          </a:p>
+        </p:txBody>
+      </p:sp>
+      <p:sp>
+        <p:nvSpPr>
+          <p:cNvPr id="3" name="Inhaltsplatzhalter 2">
+            <a:extLst>
+              <a:ext uri="{FF2B5EF4-FFF2-40B4-BE49-F238E27FC236}">
+                <a16:creationId xmlns:a16="http://schemas.microsoft.com/office/drawing/2014/main" id="{96B9303B-240D-414E-99B1-5C8164F977AF}"/>
+              </a:ext>
+            </a:extLst>
+          </p:cNvPr>
+          <p:cNvSpPr>
+            <a:spLocks noGrp="1"/>
+          </p:cNvSpPr>
+          <p:nvPr>
+            <p:ph idx="1"/>
+          </p:nvPr>
+        </p:nvSpPr>
+        <p:spPr/>
+        <p:txBody>
+          <a:bodyPr/>
+          <a:lstStyle/>
+          <a:p>
+            <a:endParaRPr lang="de-CH"/>
+          </a:p>
+        </p:txBody>
+      </p:sp>
+    </p:spTree>
+    <p:extLst>
+      <p:ext uri="{BB962C8B-B14F-4D97-AF65-F5344CB8AC3E}">
+        <p14:creationId xmlns:p14="http://schemas.microsoft.com/office/powerpoint/2010/main" val="3810289724"/>
+      </p:ext>
+    </p:extLst>
+  </p:cSld>
+  <p:clrMapOvr>
+    <a:masterClrMapping/>
+  </p:clrMapOvr>
+</p:sld>
+</file>
+
+<file path=ppt/slides/slide11.xml><?xml version="1.0" encoding="utf-8"?>
+<p:sld xmlns:a="http://schemas.openxmlformats.org/drawingml/2006/main" xmlns:r="http://schemas.openxmlformats.org/officeDocument/2006/relationships" xmlns:p="http://schemas.openxmlformats.org/presentationml/2006/main">
+  <p:cSld>
+    <p:spTree>
+      <p:nvGrpSpPr>
+        <p:cNvPr id="1" name=""/>
+        <p:cNvGrpSpPr/>
+        <p:nvPr/>
+      </p:nvGrpSpPr>
+      <p:grpSpPr>
+        <a:xfrm>
+          <a:off x="0" y="0"/>
+          <a:ext cx="0" cy="0"/>
+          <a:chOff x="0" y="0"/>
+          <a:chExt cx="0" cy="0"/>
+        </a:xfrm>
+      </p:grpSpPr>
+      <p:sp>
+        <p:nvSpPr>
+          <p:cNvPr id="2" name="Titel 1">
+            <a:extLst>
+              <a:ext uri="{FF2B5EF4-FFF2-40B4-BE49-F238E27FC236}">
+                <a16:creationId xmlns:a16="http://schemas.microsoft.com/office/drawing/2014/main" id="{56BF314C-51B6-4179-8E7A-B3AF3DB072DB}"/>
+              </a:ext>
+            </a:extLst>
+          </p:cNvPr>
+          <p:cNvSpPr>
+            <a:spLocks noGrp="1"/>
+          </p:cNvSpPr>
+          <p:nvPr>
+            <p:ph type="title"/>
+          </p:nvPr>
+        </p:nvSpPr>
+        <p:spPr/>
+        <p:txBody>
+          <a:bodyPr/>
+          <a:lstStyle/>
+          <a:p>
+            <a:r>
+              <a:rPr lang="de-CH" dirty="0" err="1"/>
+              <a:t>Tensorforce</a:t>
+            </a:r>
+            <a:endParaRPr lang="de-CH" dirty="0"/>
+          </a:p>
+        </p:txBody>
+      </p:sp>
+      <p:sp>
+        <p:nvSpPr>
+          <p:cNvPr id="3" name="Inhaltsplatzhalter 2">
+            <a:extLst>
+              <a:ext uri="{FF2B5EF4-FFF2-40B4-BE49-F238E27FC236}">
+                <a16:creationId xmlns:a16="http://schemas.microsoft.com/office/drawing/2014/main" id="{34567D17-24FD-47A0-B58F-F664BACA910A}"/>
+              </a:ext>
+            </a:extLst>
+          </p:cNvPr>
+          <p:cNvSpPr>
+            <a:spLocks noGrp="1"/>
+          </p:cNvSpPr>
+          <p:nvPr>
+            <p:ph idx="1"/>
+          </p:nvPr>
+        </p:nvSpPr>
+        <p:spPr/>
+        <p:txBody>
+          <a:bodyPr>
+            <a:normAutofit fontScale="77500" lnSpcReduction="20000"/>
+          </a:bodyPr>
+          <a:lstStyle/>
+          <a:p>
+            <a:r>
+              <a:rPr lang="de-CH" dirty="0"/>
+              <a:t>https://github.com/reinforceio/tensorforce</a:t>
+            </a:r>
+          </a:p>
+          <a:p>
+            <a:r>
+              <a:rPr lang="de-CH" dirty="0" err="1"/>
+              <a:t>Lib</a:t>
+            </a:r>
+            <a:r>
+              <a:rPr lang="de-CH" dirty="0"/>
+              <a:t> für Belohnung basiertes Lernen.</a:t>
+            </a:r>
+          </a:p>
+          <a:p>
+            <a:r>
+              <a:rPr lang="de-CH" dirty="0"/>
+              <a:t>API </a:t>
+            </a:r>
+            <a:r>
+              <a:rPr lang="de-CH" dirty="0">
+                <a:sym typeface="Wingdings" panose="05000000000000000000" pitchFamily="2" charset="2"/>
+              </a:rPr>
+              <a:t> Programmierschnittstelle</a:t>
+            </a:r>
+          </a:p>
+          <a:p>
+            <a:r>
+              <a:rPr lang="de-CH" dirty="0">
+                <a:sym typeface="Wingdings" panose="05000000000000000000" pitchFamily="2" charset="2"/>
+              </a:rPr>
+              <a:t>Diverse Algorithmen möglich  für uns A3C and PPO</a:t>
+            </a:r>
+          </a:p>
+          <a:p>
+            <a:r>
+              <a:rPr lang="de-CH" dirty="0">
+                <a:sym typeface="Wingdings" panose="05000000000000000000" pitchFamily="2" charset="2"/>
+              </a:rPr>
+              <a:t>A3C Teil des generischen </a:t>
+            </a:r>
+            <a:r>
+              <a:rPr lang="de-CH" dirty="0" err="1">
+                <a:sym typeface="Wingdings" panose="05000000000000000000" pitchFamily="2" charset="2"/>
+              </a:rPr>
+              <a:t>Tensorforce</a:t>
+            </a:r>
+            <a:r>
+              <a:rPr lang="de-CH" dirty="0">
+                <a:sym typeface="Wingdings" panose="05000000000000000000" pitchFamily="2" charset="2"/>
+              </a:rPr>
+              <a:t> Model.  Nutzbar mit mehrere </a:t>
+            </a:r>
+            <a:r>
+              <a:rPr lang="de-CH" dirty="0" err="1">
+                <a:sym typeface="Wingdings" panose="05000000000000000000" pitchFamily="2" charset="2"/>
+              </a:rPr>
+              <a:t>Agents</a:t>
+            </a:r>
+            <a:r>
+              <a:rPr lang="de-CH" dirty="0">
+                <a:sym typeface="Wingdings" panose="05000000000000000000" pitchFamily="2" charset="2"/>
+              </a:rPr>
+              <a:t> </a:t>
+            </a:r>
+          </a:p>
+          <a:p>
+            <a:r>
+              <a:rPr lang="de-CH" dirty="0">
+                <a:sym typeface="Wingdings" panose="05000000000000000000" pitchFamily="2" charset="2"/>
+              </a:rPr>
+              <a:t>PPO eigener Agent</a:t>
+            </a:r>
+          </a:p>
+          <a:p>
+            <a:endParaRPr lang="de-CH" dirty="0">
+              <a:sym typeface="Wingdings" panose="05000000000000000000" pitchFamily="2" charset="2"/>
+            </a:endParaRPr>
+          </a:p>
+          <a:p>
+            <a:r>
+              <a:rPr lang="de-CH" dirty="0">
+                <a:sym typeface="Wingdings" panose="05000000000000000000" pitchFamily="2" charset="2"/>
+              </a:rPr>
+              <a:t>Gute BSP zur Anwendung auf der Website</a:t>
+            </a:r>
+          </a:p>
+          <a:p>
+            <a:endParaRPr lang="de-CH" dirty="0">
+              <a:sym typeface="Wingdings" panose="05000000000000000000" pitchFamily="2" charset="2"/>
+            </a:endParaRPr>
+          </a:p>
+          <a:p>
+            <a:r>
+              <a:rPr lang="de-CH" dirty="0"/>
+              <a:t>@</a:t>
+            </a:r>
+            <a:r>
+              <a:rPr lang="de-CH" dirty="0" err="1"/>
+              <a:t>misc</a:t>
+            </a:r>
+            <a:r>
+              <a:rPr lang="de-CH" dirty="0"/>
+              <a:t>{schaarschmidt2017tensorforce, </a:t>
+            </a:r>
+            <a:r>
+              <a:rPr lang="de-CH" dirty="0" err="1"/>
+              <a:t>author</a:t>
+            </a:r>
+            <a:r>
+              <a:rPr lang="de-CH" dirty="0"/>
+              <a:t> = {Schaarschmidt, Michael and Kuhnle, Alexander and Fricke, Kai}, title = {</a:t>
+            </a:r>
+            <a:r>
+              <a:rPr lang="de-CH" dirty="0" err="1"/>
+              <a:t>TensorForce</a:t>
+            </a:r>
+            <a:r>
+              <a:rPr lang="de-CH" dirty="0"/>
+              <a:t>: A </a:t>
+            </a:r>
+            <a:r>
+              <a:rPr lang="de-CH" dirty="0" err="1"/>
+              <a:t>TensorFlow</a:t>
+            </a:r>
+            <a:r>
+              <a:rPr lang="de-CH" dirty="0"/>
+              <a:t> </a:t>
+            </a:r>
+            <a:r>
+              <a:rPr lang="de-CH" dirty="0" err="1"/>
+              <a:t>library</a:t>
+            </a:r>
+            <a:r>
+              <a:rPr lang="de-CH" dirty="0"/>
+              <a:t> </a:t>
+            </a:r>
+            <a:r>
+              <a:rPr lang="de-CH" dirty="0" err="1"/>
+              <a:t>for</a:t>
+            </a:r>
+            <a:r>
+              <a:rPr lang="de-CH" dirty="0"/>
+              <a:t> </a:t>
+            </a:r>
+            <a:r>
+              <a:rPr lang="de-CH" dirty="0" err="1"/>
+              <a:t>applied</a:t>
+            </a:r>
+            <a:r>
+              <a:rPr lang="de-CH" dirty="0"/>
+              <a:t> </a:t>
+            </a:r>
+            <a:r>
+              <a:rPr lang="de-CH" dirty="0" err="1"/>
+              <a:t>reinforcement</a:t>
+            </a:r>
+            <a:r>
+              <a:rPr lang="de-CH" dirty="0"/>
+              <a:t> </a:t>
+            </a:r>
+            <a:r>
+              <a:rPr lang="de-CH" dirty="0" err="1"/>
+              <a:t>learning</a:t>
+            </a:r>
+            <a:r>
+              <a:rPr lang="de-CH" dirty="0"/>
+              <a:t>}, </a:t>
+            </a:r>
+            <a:r>
+              <a:rPr lang="de-CH" dirty="0" err="1"/>
+              <a:t>howpublished</a:t>
+            </a:r>
+            <a:r>
+              <a:rPr lang="de-CH" dirty="0"/>
+              <a:t>={Web </a:t>
+            </a:r>
+            <a:r>
+              <a:rPr lang="de-CH" dirty="0" err="1"/>
+              <a:t>page</a:t>
+            </a:r>
+            <a:r>
+              <a:rPr lang="de-CH" dirty="0"/>
+              <a:t>}, </a:t>
+            </a:r>
+            <a:r>
+              <a:rPr lang="de-CH" dirty="0" err="1"/>
+              <a:t>url</a:t>
+            </a:r>
+            <a:r>
+              <a:rPr lang="de-CH" dirty="0"/>
+              <a:t> = {https://github.com/reinforceio/tensorforce}, </a:t>
+            </a:r>
+            <a:r>
+              <a:rPr lang="de-CH" dirty="0" err="1"/>
+              <a:t>year</a:t>
+            </a:r>
+            <a:r>
+              <a:rPr lang="de-CH" dirty="0"/>
+              <a:t> = {2017} }</a:t>
+            </a:r>
+            <a:endParaRPr lang="de-CH" dirty="0">
+              <a:sym typeface="Wingdings" panose="05000000000000000000" pitchFamily="2" charset="2"/>
+            </a:endParaRPr>
+          </a:p>
+          <a:p>
+            <a:pPr marL="0" indent="0">
+              <a:buNone/>
+            </a:pPr>
+            <a:endParaRPr lang="de-CH" dirty="0">
+              <a:sym typeface="Wingdings" panose="05000000000000000000" pitchFamily="2" charset="2"/>
+            </a:endParaRPr>
+          </a:p>
+          <a:p>
+            <a:endParaRPr lang="de-CH" dirty="0"/>
+          </a:p>
+        </p:txBody>
+      </p:sp>
+    </p:spTree>
+    <p:extLst>
+      <p:ext uri="{BB962C8B-B14F-4D97-AF65-F5344CB8AC3E}">
+        <p14:creationId xmlns:p14="http://schemas.microsoft.com/office/powerpoint/2010/main" val="4092733496"/>
+      </p:ext>
+    </p:extLst>
+  </p:cSld>
+  <p:clrMapOvr>
+    <a:masterClrMapping/>
+  </p:clrMapOvr>
+</p:sld>
+</file>
+
+<file path=ppt/slides/slide12.xml><?xml version="1.0" encoding="utf-8"?>
+<p:sld xmlns:a="http://schemas.openxmlformats.org/drawingml/2006/main" xmlns:r="http://schemas.openxmlformats.org/officeDocument/2006/relationships" xmlns:p="http://schemas.openxmlformats.org/presentationml/2006/main">
+  <p:cSld>
+    <p:spTree>
+      <p:nvGrpSpPr>
+        <p:cNvPr id="1" name=""/>
+        <p:cNvGrpSpPr/>
+        <p:nvPr/>
+      </p:nvGrpSpPr>
+      <p:grpSpPr>
+        <a:xfrm>
+          <a:off x="0" y="0"/>
+          <a:ext cx="0" cy="0"/>
+          <a:chOff x="0" y="0"/>
+          <a:chExt cx="0" cy="0"/>
+        </a:xfrm>
+      </p:grpSpPr>
+      <p:sp>
+        <p:nvSpPr>
+          <p:cNvPr id="2" name="Titel 1">
+            <a:extLst>
+              <a:ext uri="{FF2B5EF4-FFF2-40B4-BE49-F238E27FC236}">
+                <a16:creationId xmlns:a16="http://schemas.microsoft.com/office/drawing/2014/main" id="{C40332E5-2FEA-4EA1-A973-DBDED6DBD1CC}"/>
+              </a:ext>
+            </a:extLst>
+          </p:cNvPr>
+          <p:cNvSpPr>
+            <a:spLocks noGrp="1"/>
+          </p:cNvSpPr>
+          <p:nvPr>
+            <p:ph type="title"/>
+          </p:nvPr>
+        </p:nvSpPr>
+        <p:spPr/>
+        <p:txBody>
+          <a:bodyPr/>
+          <a:lstStyle/>
+          <a:p>
+            <a:r>
+              <a:rPr lang="de-CH" dirty="0"/>
+              <a:t>A3C</a:t>
+            </a:r>
+          </a:p>
+        </p:txBody>
+      </p:sp>
+      <p:sp>
+        <p:nvSpPr>
+          <p:cNvPr id="3" name="Inhaltsplatzhalter 2">
+            <a:extLst>
+              <a:ext uri="{FF2B5EF4-FFF2-40B4-BE49-F238E27FC236}">
+                <a16:creationId xmlns:a16="http://schemas.microsoft.com/office/drawing/2014/main" id="{42FE1C2A-6635-446E-A94D-2B27A15E2573}"/>
+              </a:ext>
+            </a:extLst>
+          </p:cNvPr>
+          <p:cNvSpPr>
+            <a:spLocks noGrp="1"/>
+          </p:cNvSpPr>
+          <p:nvPr>
+            <p:ph idx="1"/>
+          </p:nvPr>
+        </p:nvSpPr>
+        <p:spPr/>
+        <p:txBody>
+          <a:bodyPr/>
+          <a:lstStyle/>
+          <a:p>
+            <a:endParaRPr lang="de-CH"/>
+          </a:p>
+        </p:txBody>
+      </p:sp>
+    </p:spTree>
+    <p:extLst>
+      <p:ext uri="{BB962C8B-B14F-4D97-AF65-F5344CB8AC3E}">
+        <p14:creationId xmlns:p14="http://schemas.microsoft.com/office/powerpoint/2010/main" val="2341346219"/>
+      </p:ext>
+    </p:extLst>
+  </p:cSld>
+  <p:clrMapOvr>
+    <a:masterClrMapping/>
+  </p:clrMapOvr>
+</p:sld>
+</file>
+
+<file path=ppt/slides/slide13.xml><?xml version="1.0" encoding="utf-8"?>
+<p:sld xmlns:a="http://schemas.openxmlformats.org/drawingml/2006/main" xmlns:r="http://schemas.openxmlformats.org/officeDocument/2006/relationships" xmlns:p="http://schemas.openxmlformats.org/presentationml/2006/main">
+  <p:cSld>
+    <p:spTree>
+      <p:nvGrpSpPr>
+        <p:cNvPr id="1" name=""/>
+        <p:cNvGrpSpPr/>
+        <p:nvPr/>
+      </p:nvGrpSpPr>
+      <p:grpSpPr>
+        <a:xfrm>
+          <a:off x="0" y="0"/>
+          <a:ext cx="0" cy="0"/>
+          <a:chOff x="0" y="0"/>
+          <a:chExt cx="0" cy="0"/>
+        </a:xfrm>
+      </p:grpSpPr>
+      <p:sp>
+        <p:nvSpPr>
+          <p:cNvPr id="2" name="Titel 1">
+            <a:extLst>
+              <a:ext uri="{FF2B5EF4-FFF2-40B4-BE49-F238E27FC236}">
+                <a16:creationId xmlns:a16="http://schemas.microsoft.com/office/drawing/2014/main" id="{D77210D3-33D8-406E-8783-B60ED4F11579}"/>
+              </a:ext>
+            </a:extLst>
+          </p:cNvPr>
+          <p:cNvSpPr>
+            <a:spLocks noGrp="1"/>
+          </p:cNvSpPr>
+          <p:nvPr>
+            <p:ph type="title"/>
+          </p:nvPr>
+        </p:nvSpPr>
+        <p:spPr/>
+        <p:txBody>
+          <a:bodyPr/>
+          <a:lstStyle/>
+          <a:p>
+            <a:r>
+              <a:rPr lang="de-CH" dirty="0"/>
+              <a:t>PPO</a:t>
+            </a:r>
+          </a:p>
+        </p:txBody>
+      </p:sp>
+      <p:sp>
+        <p:nvSpPr>
+          <p:cNvPr id="3" name="Inhaltsplatzhalter 2">
+            <a:extLst>
+              <a:ext uri="{FF2B5EF4-FFF2-40B4-BE49-F238E27FC236}">
+                <a16:creationId xmlns:a16="http://schemas.microsoft.com/office/drawing/2014/main" id="{C345A602-2FD0-45FE-BD37-7BD45F496DF0}"/>
+              </a:ext>
+            </a:extLst>
+          </p:cNvPr>
+          <p:cNvSpPr>
+            <a:spLocks noGrp="1"/>
+          </p:cNvSpPr>
+          <p:nvPr>
+            <p:ph idx="1"/>
+          </p:nvPr>
+        </p:nvSpPr>
+        <p:spPr/>
+        <p:txBody>
+          <a:bodyPr/>
+          <a:lstStyle/>
+          <a:p>
+            <a:endParaRPr lang="de-CH" dirty="0"/>
+          </a:p>
+        </p:txBody>
+      </p:sp>
+    </p:spTree>
+    <p:extLst>
+      <p:ext uri="{BB962C8B-B14F-4D97-AF65-F5344CB8AC3E}">
+        <p14:creationId xmlns:p14="http://schemas.microsoft.com/office/powerpoint/2010/main" val="1326088993"/>
+      </p:ext>
+    </p:extLst>
+  </p:cSld>
+  <p:clrMapOvr>
+    <a:masterClrMapping/>
+  </p:clrMapOvr>
+</p:sld>
+</file>
+
+<file path=ppt/slides/slide14.xml><?xml version="1.0" encoding="utf-8"?>
+<p:sld xmlns:a="http://schemas.openxmlformats.org/drawingml/2006/main" xmlns:r="http://schemas.openxmlformats.org/officeDocument/2006/relationships" xmlns:p="http://schemas.openxmlformats.org/presentationml/2006/main">
+  <p:cSld>
+    <p:spTree>
+      <p:nvGrpSpPr>
+        <p:cNvPr id="1" name=""/>
+        <p:cNvGrpSpPr/>
+        <p:nvPr/>
+      </p:nvGrpSpPr>
+      <p:grpSpPr>
+        <a:xfrm>
+          <a:off x="0" y="0"/>
+          <a:ext cx="0" cy="0"/>
+          <a:chOff x="0" y="0"/>
+          <a:chExt cx="0" cy="0"/>
+        </a:xfrm>
+      </p:grpSpPr>
+      <p:sp>
+        <p:nvSpPr>
+          <p:cNvPr id="2" name="Titel 1">
+            <a:extLst>
+              <a:ext uri="{FF2B5EF4-FFF2-40B4-BE49-F238E27FC236}">
                 <a16:creationId xmlns:a16="http://schemas.microsoft.com/office/drawing/2014/main" id="{B59081C1-1973-4D66-928A-6E2D13C342B8}"/>
               </a:ext>
             </a:extLst>
